--- a/content/post/20230718-aug17/featured.pptx
+++ b/content/post/20230718-aug17/featured.pptx
@@ -104,6 +104,11 @@
       </a:defRPr>
     </a:lvl9pPr>
   </p:defaultTextStyle>
+  <p:extLst>
+    <p:ext uri="{EFAFB233-063F-42B5-8137-9DF3F51BA10A}">
+      <p15:sldGuideLst xmlns:p15="http://schemas.microsoft.com/office/powerpoint/2012/main"/>
+    </p:ext>
+  </p:extLst>
 </p:presentation>
 </file>
 
@@ -253,7 +258,7 @@
           <a:lstStyle/>
           <a:p>
             <a:fld id="{57DD3184-F4DD-BF4C-94ED-4B6775614B4C}" type="datetimeFigureOut">
-              <a:t>7/18/23</a:t>
+              <a:t>8/9/23</a:t>
             </a:fld>
             <a:endParaRPr lang="en-US"/>
           </a:p>
@@ -449,7 +454,7 @@
           <a:lstStyle/>
           <a:p>
             <a:fld id="{57DD3184-F4DD-BF4C-94ED-4B6775614B4C}" type="datetimeFigureOut">
-              <a:t>7/18/23</a:t>
+              <a:t>8/9/23</a:t>
             </a:fld>
             <a:endParaRPr lang="en-US"/>
           </a:p>
@@ -655,7 +660,7 @@
           <a:lstStyle/>
           <a:p>
             <a:fld id="{57DD3184-F4DD-BF4C-94ED-4B6775614B4C}" type="datetimeFigureOut">
-              <a:t>7/18/23</a:t>
+              <a:t>8/9/23</a:t>
             </a:fld>
             <a:endParaRPr lang="en-US"/>
           </a:p>
@@ -851,7 +856,7 @@
           <a:lstStyle/>
           <a:p>
             <a:fld id="{57DD3184-F4DD-BF4C-94ED-4B6775614B4C}" type="datetimeFigureOut">
-              <a:t>7/18/23</a:t>
+              <a:t>8/9/23</a:t>
             </a:fld>
             <a:endParaRPr lang="en-US"/>
           </a:p>
@@ -1124,7 +1129,7 @@
           <a:lstStyle/>
           <a:p>
             <a:fld id="{57DD3184-F4DD-BF4C-94ED-4B6775614B4C}" type="datetimeFigureOut">
-              <a:t>7/18/23</a:t>
+              <a:t>8/9/23</a:t>
             </a:fld>
             <a:endParaRPr lang="en-US"/>
           </a:p>
@@ -1387,7 +1392,7 @@
           <a:lstStyle/>
           <a:p>
             <a:fld id="{57DD3184-F4DD-BF4C-94ED-4B6775614B4C}" type="datetimeFigureOut">
-              <a:t>7/18/23</a:t>
+              <a:t>8/9/23</a:t>
             </a:fld>
             <a:endParaRPr lang="en-US"/>
           </a:p>
@@ -1797,7 +1802,7 @@
           <a:lstStyle/>
           <a:p>
             <a:fld id="{57DD3184-F4DD-BF4C-94ED-4B6775614B4C}" type="datetimeFigureOut">
-              <a:t>7/18/23</a:t>
+              <a:t>8/9/23</a:t>
             </a:fld>
             <a:endParaRPr lang="en-US"/>
           </a:p>
@@ -1936,7 +1941,7 @@
           <a:lstStyle/>
           <a:p>
             <a:fld id="{57DD3184-F4DD-BF4C-94ED-4B6775614B4C}" type="datetimeFigureOut">
-              <a:t>7/18/23</a:t>
+              <a:t>8/9/23</a:t>
             </a:fld>
             <a:endParaRPr lang="en-US"/>
           </a:p>
@@ -2047,7 +2052,7 @@
           <a:lstStyle/>
           <a:p>
             <a:fld id="{57DD3184-F4DD-BF4C-94ED-4B6775614B4C}" type="datetimeFigureOut">
-              <a:t>7/18/23</a:t>
+              <a:t>8/9/23</a:t>
             </a:fld>
             <a:endParaRPr lang="en-US"/>
           </a:p>
@@ -2356,7 +2361,7 @@
           <a:lstStyle/>
           <a:p>
             <a:fld id="{57DD3184-F4DD-BF4C-94ED-4B6775614B4C}" type="datetimeFigureOut">
-              <a:t>7/18/23</a:t>
+              <a:t>8/9/23</a:t>
             </a:fld>
             <a:endParaRPr lang="en-US"/>
           </a:p>
@@ -2642,7 +2647,7 @@
           <a:lstStyle/>
           <a:p>
             <a:fld id="{57DD3184-F4DD-BF4C-94ED-4B6775614B4C}" type="datetimeFigureOut">
-              <a:t>7/18/23</a:t>
+              <a:t>8/9/23</a:t>
             </a:fld>
             <a:endParaRPr lang="en-US"/>
           </a:p>
@@ -2881,7 +2886,7 @@
           </a:lstStyle>
           <a:p>
             <a:fld id="{57DD3184-F4DD-BF4C-94ED-4B6775614B4C}" type="datetimeFigureOut">
-              <a:t>7/18/23</a:t>
+              <a:t>8/9/23</a:t>
             </a:fld>
             <a:endParaRPr lang="en-US"/>
           </a:p>
@@ -3431,7 +3436,7 @@
                   <a:schemeClr val="bg1"/>
                 </a:solidFill>
               </a:rPr>
-              <a:t>IEEE MAGNETIC</a:t>
+              <a:t>IEEE MAGNETICS</a:t>
             </a:r>
             <a:br>
               <a:rPr lang="en-US">
